--- a/Chapter 3.pptx
+++ b/Chapter 3.pptx
@@ -34,10 +34,13 @@
     <p:sldId id="334" r:id="rId28"/>
     <p:sldId id="335" r:id="rId29"/>
     <p:sldId id="336" r:id="rId30"/>
-    <p:sldId id="337" r:id="rId31"/>
-    <p:sldId id="338" r:id="rId32"/>
-    <p:sldId id="339" r:id="rId33"/>
-    <p:sldId id="340" r:id="rId34"/>
+    <p:sldId id="344" r:id="rId31"/>
+    <p:sldId id="345" r:id="rId32"/>
+    <p:sldId id="342" r:id="rId33"/>
+    <p:sldId id="346" r:id="rId34"/>
+    <p:sldId id="338" r:id="rId35"/>
+    <p:sldId id="339" r:id="rId36"/>
+    <p:sldId id="340" r:id="rId37"/>
   </p:sldIdLst>
   <p:sldSz cx="12192000" cy="6858000"/>
   <p:notesSz cx="6858000" cy="9144000"/>
@@ -291,7 +294,7 @@
           <a:p>
             <a:fld id="{83CE2EB5-461B-48FA-A185-8B26B555C833}" type="datetimeFigureOut">
               <a:rPr lang="en-US" smtClean="0"/>
-              <a:t>10/4/2023</a:t>
+              <a:t>9/29/2024</a:t>
             </a:fld>
             <a:endParaRPr lang="en-US"/>
           </a:p>
@@ -489,7 +492,7 @@
           <a:p>
             <a:fld id="{83CE2EB5-461B-48FA-A185-8B26B555C833}" type="datetimeFigureOut">
               <a:rPr lang="en-US" smtClean="0"/>
-              <a:t>10/4/2023</a:t>
+              <a:t>9/29/2024</a:t>
             </a:fld>
             <a:endParaRPr lang="en-US"/>
           </a:p>
@@ -697,7 +700,7 @@
           <a:p>
             <a:fld id="{83CE2EB5-461B-48FA-A185-8B26B555C833}" type="datetimeFigureOut">
               <a:rPr lang="en-US" smtClean="0"/>
-              <a:t>10/4/2023</a:t>
+              <a:t>9/29/2024</a:t>
             </a:fld>
             <a:endParaRPr lang="en-US"/>
           </a:p>
@@ -895,7 +898,7 @@
           <a:p>
             <a:fld id="{83CE2EB5-461B-48FA-A185-8B26B555C833}" type="datetimeFigureOut">
               <a:rPr lang="en-US" smtClean="0"/>
-              <a:t>10/4/2023</a:t>
+              <a:t>9/29/2024</a:t>
             </a:fld>
             <a:endParaRPr lang="en-US"/>
           </a:p>
@@ -1170,7 +1173,7 @@
           <a:p>
             <a:fld id="{83CE2EB5-461B-48FA-A185-8B26B555C833}" type="datetimeFigureOut">
               <a:rPr lang="en-US" smtClean="0"/>
-              <a:t>10/4/2023</a:t>
+              <a:t>9/29/2024</a:t>
             </a:fld>
             <a:endParaRPr lang="en-US"/>
           </a:p>
@@ -1435,7 +1438,7 @@
           <a:p>
             <a:fld id="{83CE2EB5-461B-48FA-A185-8B26B555C833}" type="datetimeFigureOut">
               <a:rPr lang="en-US" smtClean="0"/>
-              <a:t>10/4/2023</a:t>
+              <a:t>9/29/2024</a:t>
             </a:fld>
             <a:endParaRPr lang="en-US"/>
           </a:p>
@@ -1847,7 +1850,7 @@
           <a:p>
             <a:fld id="{83CE2EB5-461B-48FA-A185-8B26B555C833}" type="datetimeFigureOut">
               <a:rPr lang="en-US" smtClean="0"/>
-              <a:t>10/4/2023</a:t>
+              <a:t>9/29/2024</a:t>
             </a:fld>
             <a:endParaRPr lang="en-US"/>
           </a:p>
@@ -1988,7 +1991,7 @@
           <a:p>
             <a:fld id="{83CE2EB5-461B-48FA-A185-8B26B555C833}" type="datetimeFigureOut">
               <a:rPr lang="en-US" smtClean="0"/>
-              <a:t>10/4/2023</a:t>
+              <a:t>9/29/2024</a:t>
             </a:fld>
             <a:endParaRPr lang="en-US"/>
           </a:p>
@@ -2101,7 +2104,7 @@
           <a:p>
             <a:fld id="{83CE2EB5-461B-48FA-A185-8B26B555C833}" type="datetimeFigureOut">
               <a:rPr lang="en-US" smtClean="0"/>
-              <a:t>10/4/2023</a:t>
+              <a:t>9/29/2024</a:t>
             </a:fld>
             <a:endParaRPr lang="en-US"/>
           </a:p>
@@ -2412,7 +2415,7 @@
           <a:p>
             <a:fld id="{83CE2EB5-461B-48FA-A185-8B26B555C833}" type="datetimeFigureOut">
               <a:rPr lang="en-US" smtClean="0"/>
-              <a:t>10/4/2023</a:t>
+              <a:t>9/29/2024</a:t>
             </a:fld>
             <a:endParaRPr lang="en-US"/>
           </a:p>
@@ -2700,7 +2703,7 @@
           <a:p>
             <a:fld id="{83CE2EB5-461B-48FA-A185-8B26B555C833}" type="datetimeFigureOut">
               <a:rPr lang="en-US" smtClean="0"/>
-              <a:t>10/4/2023</a:t>
+              <a:t>9/29/2024</a:t>
             </a:fld>
             <a:endParaRPr lang="en-US"/>
           </a:p>
@@ -2941,7 +2944,7 @@
           <a:p>
             <a:fld id="{83CE2EB5-461B-48FA-A185-8B26B555C833}" type="datetimeFigureOut">
               <a:rPr lang="en-US" smtClean="0"/>
-              <a:t>10/4/2023</a:t>
+              <a:t>9/29/2024</a:t>
             </a:fld>
             <a:endParaRPr lang="en-US"/>
           </a:p>
@@ -21330,14 +21333,623 @@
         </p:nvPicPr>
         <p:blipFill>
           <a:blip r:embed="rId2"/>
-          <a:stretch>
-            <a:fillRect/>
-          </a:stretch>
+          <a:srcRect t="693" r="2810" b="89305"/>
+          <a:stretch/>
         </p:blipFill>
         <p:spPr>
           <a:xfrm>
-            <a:off x="971646" y="1138688"/>
-            <a:ext cx="5609332" cy="5589033"/>
+            <a:off x="170265" y="1188720"/>
+            <a:ext cx="7132320" cy="731520"/>
+          </a:xfrm>
+          <a:prstGeom prst="rect">
+            <a:avLst/>
+          </a:prstGeom>
+        </p:spPr>
+      </p:pic>
+    </p:spTree>
+    <p:extLst>
+      <p:ext uri="{BB962C8B-B14F-4D97-AF65-F5344CB8AC3E}">
+        <p14:creationId xmlns:p14="http://schemas.microsoft.com/office/powerpoint/2010/main" val="2721210682"/>
+      </p:ext>
+    </p:extLst>
+  </p:cSld>
+  <p:clrMapOvr>
+    <a:masterClrMapping/>
+  </p:clrMapOvr>
+  <mc:AlternateContent xmlns:mc="http://schemas.openxmlformats.org/markup-compatibility/2006" xmlns:p159="http://schemas.microsoft.com/office/powerpoint/2015/09/main">
+    <mc:Choice Requires="p159">
+      <p:transition xmlns:p14="http://schemas.microsoft.com/office/powerpoint/2010/main" spd="slow" p14:dur="2000">
+        <p159:morph option="byObject"/>
+      </p:transition>
+    </mc:Choice>
+    <mc:Fallback xmlns="">
+      <p:transition spd="slow">
+        <p:fade/>
+      </p:transition>
+    </mc:Fallback>
+  </mc:AlternateContent>
+</p:sld>
+</file>
+
+<file path=ppt/slides/slide31.xml><?xml version="1.0" encoding="utf-8"?>
+<p:sld xmlns:a="http://schemas.openxmlformats.org/drawingml/2006/main" xmlns:r="http://schemas.openxmlformats.org/officeDocument/2006/relationships" xmlns:p="http://schemas.openxmlformats.org/presentationml/2006/main">
+  <p:cSld>
+    <p:spTree>
+      <p:nvGrpSpPr>
+        <p:cNvPr id="1" name=""/>
+        <p:cNvGrpSpPr/>
+        <p:nvPr/>
+      </p:nvGrpSpPr>
+      <p:grpSpPr>
+        <a:xfrm>
+          <a:off x="0" y="0"/>
+          <a:ext cx="0" cy="0"/>
+          <a:chOff x="0" y="0"/>
+          <a:chExt cx="0" cy="0"/>
+        </a:xfrm>
+      </p:grpSpPr>
+      <p:sp>
+        <p:nvSpPr>
+          <p:cNvPr id="2" name="Title 1">
+            <a:extLst>
+              <a:ext uri="{FF2B5EF4-FFF2-40B4-BE49-F238E27FC236}">
+                <a16:creationId xmlns:a16="http://schemas.microsoft.com/office/drawing/2014/main" id="{1D2FF234-79D3-3499-2251-646FE21ADF61}"/>
+              </a:ext>
+            </a:extLst>
+          </p:cNvPr>
+          <p:cNvSpPr>
+            <a:spLocks noGrp="1"/>
+          </p:cNvSpPr>
+          <p:nvPr>
+            <p:ph type="title"/>
+          </p:nvPr>
+        </p:nvSpPr>
+        <p:spPr>
+          <a:xfrm>
+            <a:off x="838200" y="365126"/>
+            <a:ext cx="10515600" cy="773562"/>
+          </a:xfrm>
+        </p:spPr>
+        <p:txBody>
+          <a:bodyPr>
+            <a:normAutofit fontScale="90000"/>
+          </a:bodyPr>
+          <a:lstStyle/>
+          <a:p>
+            <a:r>
+              <a:rPr lang="en-US" sz="4400" b="1" i="0" u="none" strike="noStrike" baseline="0" dirty="0">
+                <a:solidFill>
+                  <a:srgbClr val="A245C7"/>
+                </a:solidFill>
+                <a:latin typeface="GoudySans-Bold"/>
+              </a:rPr>
+              <a:t>3.10</a:t>
+            </a:r>
+            <a:r>
+              <a:rPr lang="en-US" sz="4400" b="1" i="0" u="none" strike="noStrike" baseline="0" dirty="0">
+                <a:solidFill>
+                  <a:srgbClr val="5200FF"/>
+                </a:solidFill>
+                <a:latin typeface="GoudySans-Bold"/>
+              </a:rPr>
+              <a:t> </a:t>
+            </a:r>
+            <a:r>
+              <a:rPr lang="en-US" sz="4400" b="1" i="0" u="none" strike="noStrike" baseline="0" dirty="0">
+                <a:solidFill>
+                  <a:srgbClr val="FF0A44"/>
+                </a:solidFill>
+                <a:latin typeface="GoudySans-Bold"/>
+              </a:rPr>
+              <a:t>Case Study 3: Nested Control Statements</a:t>
+            </a:r>
+            <a:endParaRPr lang="en-US" dirty="0"/>
+          </a:p>
+        </p:txBody>
+      </p:sp>
+      <p:sp>
+        <p:nvSpPr>
+          <p:cNvPr id="3" name="Content Placeholder 2">
+            <a:extLst>
+              <a:ext uri="{FF2B5EF4-FFF2-40B4-BE49-F238E27FC236}">
+                <a16:creationId xmlns:a16="http://schemas.microsoft.com/office/drawing/2014/main" id="{3A0C6CDF-3482-5F76-5D2E-95ED11BDEC4D}"/>
+              </a:ext>
+            </a:extLst>
+          </p:cNvPr>
+          <p:cNvSpPr>
+            <a:spLocks noGrp="1"/>
+          </p:cNvSpPr>
+          <p:nvPr>
+            <p:ph idx="1"/>
+          </p:nvPr>
+        </p:nvSpPr>
+        <p:spPr>
+          <a:xfrm>
+            <a:off x="838200" y="1142383"/>
+            <a:ext cx="10515600" cy="5038275"/>
+          </a:xfrm>
+          <a:ln>
+            <a:noFill/>
+          </a:ln>
+        </p:spPr>
+        <p:txBody>
+          <a:bodyPr>
+            <a:noAutofit/>
+          </a:bodyPr>
+          <a:lstStyle/>
+          <a:p>
+            <a:pPr marL="0" indent="0">
+              <a:buNone/>
+            </a:pPr>
+            <a:r>
+              <a:rPr lang="en-US" sz="2000" b="1" dirty="0">
+                <a:solidFill>
+                  <a:srgbClr val="2FA9FF"/>
+                </a:solidFill>
+                <a:latin typeface="Georgia" panose="02040502050405020303" pitchFamily="18" charset="0"/>
+              </a:rPr>
+              <a:t> </a:t>
+            </a:r>
+          </a:p>
+          <a:p>
+            <a:pPr marL="0" indent="0" algn="l">
+              <a:buNone/>
+            </a:pPr>
+            <a:endParaRPr lang="en-US" sz="2000" b="0" u="none" strike="noStrike" baseline="0" dirty="0">
+              <a:latin typeface="AGaramond-Italic"/>
+            </a:endParaRPr>
+          </a:p>
+        </p:txBody>
+      </p:sp>
+      <p:pic>
+        <p:nvPicPr>
+          <p:cNvPr id="8" name="Picture 7">
+            <a:extLst>
+              <a:ext uri="{FF2B5EF4-FFF2-40B4-BE49-F238E27FC236}">
+                <a16:creationId xmlns:a16="http://schemas.microsoft.com/office/drawing/2014/main" id="{1CD89839-9821-4D4C-855F-29FF28FB924B}"/>
+              </a:ext>
+            </a:extLst>
+          </p:cNvPr>
+          <p:cNvPicPr>
+            <a:picLocks noChangeAspect="1"/>
+          </p:cNvPicPr>
+          <p:nvPr/>
+        </p:nvPicPr>
+        <p:blipFill>
+          <a:blip r:embed="rId2"/>
+          <a:srcRect t="693" r="2810" b="24285"/>
+          <a:stretch/>
+        </p:blipFill>
+        <p:spPr>
+          <a:xfrm>
+            <a:off x="170265" y="1188720"/>
+            <a:ext cx="7132320" cy="5486400"/>
+          </a:xfrm>
+          <a:prstGeom prst="rect">
+            <a:avLst/>
+          </a:prstGeom>
+        </p:spPr>
+      </p:pic>
+      <p:pic>
+        <p:nvPicPr>
+          <p:cNvPr id="4" name="Picture 3">
+            <a:extLst>
+              <a:ext uri="{FF2B5EF4-FFF2-40B4-BE49-F238E27FC236}">
+                <a16:creationId xmlns:a16="http://schemas.microsoft.com/office/drawing/2014/main" id="{987034E4-81FC-4CDF-5856-F6DCAC1BB4E0}"/>
+              </a:ext>
+            </a:extLst>
+          </p:cNvPr>
+          <p:cNvPicPr>
+            <a:picLocks noChangeAspect="1"/>
+          </p:cNvPicPr>
+          <p:nvPr/>
+        </p:nvPicPr>
+        <p:blipFill>
+          <a:blip r:embed="rId2"/>
+          <a:srcRect l="159" t="49359" r="2651" b="49359"/>
+          <a:stretch/>
+        </p:blipFill>
+        <p:spPr>
+          <a:xfrm>
+            <a:off x="4889415" y="1138688"/>
+            <a:ext cx="7132320" cy="0"/>
+          </a:xfrm>
+          <a:prstGeom prst="rect">
+            <a:avLst/>
+          </a:prstGeom>
+        </p:spPr>
+      </p:pic>
+    </p:spTree>
+    <p:extLst>
+      <p:ext uri="{BB962C8B-B14F-4D97-AF65-F5344CB8AC3E}">
+        <p14:creationId xmlns:p14="http://schemas.microsoft.com/office/powerpoint/2010/main" val="2791857969"/>
+      </p:ext>
+    </p:extLst>
+  </p:cSld>
+  <p:clrMapOvr>
+    <a:masterClrMapping/>
+  </p:clrMapOvr>
+  <mc:AlternateContent xmlns:mc="http://schemas.openxmlformats.org/markup-compatibility/2006" xmlns:p159="http://schemas.microsoft.com/office/powerpoint/2015/09/main">
+    <mc:Choice Requires="p159">
+      <p:transition xmlns:p14="http://schemas.microsoft.com/office/powerpoint/2010/main" spd="slow" p14:dur="2000">
+        <p159:morph option="byObject"/>
+      </p:transition>
+    </mc:Choice>
+    <mc:Fallback xmlns="">
+      <p:transition spd="slow">
+        <p:fade/>
+      </p:transition>
+    </mc:Fallback>
+  </mc:AlternateContent>
+</p:sld>
+</file>
+
+<file path=ppt/slides/slide32.xml><?xml version="1.0" encoding="utf-8"?>
+<p:sld xmlns:a="http://schemas.openxmlformats.org/drawingml/2006/main" xmlns:r="http://schemas.openxmlformats.org/officeDocument/2006/relationships" xmlns:p="http://schemas.openxmlformats.org/presentationml/2006/main">
+  <p:cSld>
+    <p:spTree>
+      <p:nvGrpSpPr>
+        <p:cNvPr id="1" name=""/>
+        <p:cNvGrpSpPr/>
+        <p:nvPr/>
+      </p:nvGrpSpPr>
+      <p:grpSpPr>
+        <a:xfrm>
+          <a:off x="0" y="0"/>
+          <a:ext cx="0" cy="0"/>
+          <a:chOff x="0" y="0"/>
+          <a:chExt cx="0" cy="0"/>
+        </a:xfrm>
+      </p:grpSpPr>
+      <p:sp>
+        <p:nvSpPr>
+          <p:cNvPr id="2" name="Title 1">
+            <a:extLst>
+              <a:ext uri="{FF2B5EF4-FFF2-40B4-BE49-F238E27FC236}">
+                <a16:creationId xmlns:a16="http://schemas.microsoft.com/office/drawing/2014/main" id="{1D2FF234-79D3-3499-2251-646FE21ADF61}"/>
+              </a:ext>
+            </a:extLst>
+          </p:cNvPr>
+          <p:cNvSpPr>
+            <a:spLocks noGrp="1"/>
+          </p:cNvSpPr>
+          <p:nvPr>
+            <p:ph type="title"/>
+          </p:nvPr>
+        </p:nvSpPr>
+        <p:spPr>
+          <a:xfrm>
+            <a:off x="838200" y="365126"/>
+            <a:ext cx="10515600" cy="773562"/>
+          </a:xfrm>
+        </p:spPr>
+        <p:txBody>
+          <a:bodyPr>
+            <a:normAutofit fontScale="90000"/>
+          </a:bodyPr>
+          <a:lstStyle/>
+          <a:p>
+            <a:r>
+              <a:rPr lang="en-US" sz="4400" b="1" i="0" u="none" strike="noStrike" baseline="0" dirty="0">
+                <a:solidFill>
+                  <a:srgbClr val="A245C7"/>
+                </a:solidFill>
+                <a:latin typeface="GoudySans-Bold"/>
+              </a:rPr>
+              <a:t>3.10</a:t>
+            </a:r>
+            <a:r>
+              <a:rPr lang="en-US" sz="4400" b="1" i="0" u="none" strike="noStrike" baseline="0" dirty="0">
+                <a:solidFill>
+                  <a:srgbClr val="5200FF"/>
+                </a:solidFill>
+                <a:latin typeface="GoudySans-Bold"/>
+              </a:rPr>
+              <a:t> </a:t>
+            </a:r>
+            <a:r>
+              <a:rPr lang="en-US" sz="4400" b="1" i="0" u="none" strike="noStrike" baseline="0" dirty="0">
+                <a:solidFill>
+                  <a:srgbClr val="FF0A44"/>
+                </a:solidFill>
+                <a:latin typeface="GoudySans-Bold"/>
+              </a:rPr>
+              <a:t>Case Study 3: Nested Control Statements</a:t>
+            </a:r>
+            <a:endParaRPr lang="en-US" dirty="0"/>
+          </a:p>
+        </p:txBody>
+      </p:sp>
+      <p:sp>
+        <p:nvSpPr>
+          <p:cNvPr id="3" name="Content Placeholder 2">
+            <a:extLst>
+              <a:ext uri="{FF2B5EF4-FFF2-40B4-BE49-F238E27FC236}">
+                <a16:creationId xmlns:a16="http://schemas.microsoft.com/office/drawing/2014/main" id="{3A0C6CDF-3482-5F76-5D2E-95ED11BDEC4D}"/>
+              </a:ext>
+            </a:extLst>
+          </p:cNvPr>
+          <p:cNvSpPr>
+            <a:spLocks noGrp="1"/>
+          </p:cNvSpPr>
+          <p:nvPr>
+            <p:ph idx="1"/>
+          </p:nvPr>
+        </p:nvSpPr>
+        <p:spPr>
+          <a:xfrm>
+            <a:off x="838200" y="1142383"/>
+            <a:ext cx="10515600" cy="5038275"/>
+          </a:xfrm>
+          <a:ln>
+            <a:noFill/>
+          </a:ln>
+        </p:spPr>
+        <p:txBody>
+          <a:bodyPr>
+            <a:noAutofit/>
+          </a:bodyPr>
+          <a:lstStyle/>
+          <a:p>
+            <a:pPr marL="0" indent="0">
+              <a:buNone/>
+            </a:pPr>
+            <a:r>
+              <a:rPr lang="en-US" sz="2000" b="1" dirty="0">
+                <a:solidFill>
+                  <a:srgbClr val="2FA9FF"/>
+                </a:solidFill>
+                <a:latin typeface="Georgia" panose="02040502050405020303" pitchFamily="18" charset="0"/>
+              </a:rPr>
+              <a:t> </a:t>
+            </a:r>
+          </a:p>
+          <a:p>
+            <a:pPr marL="0" indent="0" algn="l">
+              <a:buNone/>
+            </a:pPr>
+            <a:endParaRPr lang="en-US" sz="2000" b="0" u="none" strike="noStrike" baseline="0" dirty="0">
+              <a:latin typeface="AGaramond-Italic"/>
+            </a:endParaRPr>
+          </a:p>
+        </p:txBody>
+      </p:sp>
+      <p:pic>
+        <p:nvPicPr>
+          <p:cNvPr id="8" name="Picture 7">
+            <a:extLst>
+              <a:ext uri="{FF2B5EF4-FFF2-40B4-BE49-F238E27FC236}">
+                <a16:creationId xmlns:a16="http://schemas.microsoft.com/office/drawing/2014/main" id="{1CD89839-9821-4D4C-855F-29FF28FB924B}"/>
+              </a:ext>
+            </a:extLst>
+          </p:cNvPr>
+          <p:cNvPicPr>
+            <a:picLocks noChangeAspect="1"/>
+          </p:cNvPicPr>
+          <p:nvPr/>
+        </p:nvPicPr>
+        <p:blipFill>
+          <a:blip r:embed="rId2"/>
+          <a:srcRect t="686" r="2810" b="24282"/>
+          <a:stretch/>
+        </p:blipFill>
+        <p:spPr>
+          <a:xfrm>
+            <a:off x="170265" y="1188720"/>
+            <a:ext cx="7132320" cy="5486400"/>
+          </a:xfrm>
+          <a:prstGeom prst="rect">
+            <a:avLst/>
+          </a:prstGeom>
+        </p:spPr>
+      </p:pic>
+      <p:pic>
+        <p:nvPicPr>
+          <p:cNvPr id="4" name="Picture 3">
+            <a:extLst>
+              <a:ext uri="{FF2B5EF4-FFF2-40B4-BE49-F238E27FC236}">
+                <a16:creationId xmlns:a16="http://schemas.microsoft.com/office/drawing/2014/main" id="{933A319D-CE0E-92A6-0195-9C710605FEF9}"/>
+              </a:ext>
+            </a:extLst>
+          </p:cNvPr>
+          <p:cNvPicPr>
+            <a:picLocks noChangeAspect="1"/>
+          </p:cNvPicPr>
+          <p:nvPr/>
+        </p:nvPicPr>
+        <p:blipFill>
+          <a:blip r:embed="rId2"/>
+          <a:srcRect t="75114" r="2810" b="-128"/>
+          <a:stretch/>
+        </p:blipFill>
+        <p:spPr>
+          <a:xfrm>
+            <a:off x="4889415" y="1138688"/>
+            <a:ext cx="7132320" cy="1828800"/>
+          </a:xfrm>
+          <a:prstGeom prst="rect">
+            <a:avLst/>
+          </a:prstGeom>
+        </p:spPr>
+      </p:pic>
+    </p:spTree>
+    <p:extLst>
+      <p:ext uri="{BB962C8B-B14F-4D97-AF65-F5344CB8AC3E}">
+        <p14:creationId xmlns:p14="http://schemas.microsoft.com/office/powerpoint/2010/main" val="1821068083"/>
+      </p:ext>
+    </p:extLst>
+  </p:cSld>
+  <p:clrMapOvr>
+    <a:masterClrMapping/>
+  </p:clrMapOvr>
+  <mc:AlternateContent xmlns:mc="http://schemas.openxmlformats.org/markup-compatibility/2006" xmlns:p159="http://schemas.microsoft.com/office/powerpoint/2015/09/main">
+    <mc:Choice Requires="p159">
+      <p:transition xmlns:p14="http://schemas.microsoft.com/office/powerpoint/2010/main" spd="slow" p14:dur="2000">
+        <p159:morph option="byObject"/>
+      </p:transition>
+    </mc:Choice>
+    <mc:Fallback xmlns="">
+      <p:transition spd="slow">
+        <p:fade/>
+      </p:transition>
+    </mc:Fallback>
+  </mc:AlternateContent>
+</p:sld>
+</file>
+
+<file path=ppt/slides/slide33.xml><?xml version="1.0" encoding="utf-8"?>
+<p:sld xmlns:a="http://schemas.openxmlformats.org/drawingml/2006/main" xmlns:r="http://schemas.openxmlformats.org/officeDocument/2006/relationships" xmlns:p="http://schemas.openxmlformats.org/presentationml/2006/main">
+  <p:cSld>
+    <p:spTree>
+      <p:nvGrpSpPr>
+        <p:cNvPr id="1" name=""/>
+        <p:cNvGrpSpPr/>
+        <p:nvPr/>
+      </p:nvGrpSpPr>
+      <p:grpSpPr>
+        <a:xfrm>
+          <a:off x="0" y="0"/>
+          <a:ext cx="0" cy="0"/>
+          <a:chOff x="0" y="0"/>
+          <a:chExt cx="0" cy="0"/>
+        </a:xfrm>
+      </p:grpSpPr>
+      <p:sp>
+        <p:nvSpPr>
+          <p:cNvPr id="2" name="Title 1">
+            <a:extLst>
+              <a:ext uri="{FF2B5EF4-FFF2-40B4-BE49-F238E27FC236}">
+                <a16:creationId xmlns:a16="http://schemas.microsoft.com/office/drawing/2014/main" id="{1D2FF234-79D3-3499-2251-646FE21ADF61}"/>
+              </a:ext>
+            </a:extLst>
+          </p:cNvPr>
+          <p:cNvSpPr>
+            <a:spLocks noGrp="1"/>
+          </p:cNvSpPr>
+          <p:nvPr>
+            <p:ph type="title"/>
+          </p:nvPr>
+        </p:nvSpPr>
+        <p:spPr>
+          <a:xfrm>
+            <a:off x="838200" y="365126"/>
+            <a:ext cx="10515600" cy="773562"/>
+          </a:xfrm>
+        </p:spPr>
+        <p:txBody>
+          <a:bodyPr>
+            <a:normAutofit fontScale="90000"/>
+          </a:bodyPr>
+          <a:lstStyle/>
+          <a:p>
+            <a:r>
+              <a:rPr lang="en-US" sz="4400" b="1" i="0" u="none" strike="noStrike" baseline="0" dirty="0">
+                <a:solidFill>
+                  <a:srgbClr val="A245C7"/>
+                </a:solidFill>
+                <a:latin typeface="GoudySans-Bold"/>
+              </a:rPr>
+              <a:t>3.10</a:t>
+            </a:r>
+            <a:r>
+              <a:rPr lang="en-US" sz="4400" b="1" i="0" u="none" strike="noStrike" baseline="0" dirty="0">
+                <a:solidFill>
+                  <a:srgbClr val="5200FF"/>
+                </a:solidFill>
+                <a:latin typeface="GoudySans-Bold"/>
+              </a:rPr>
+              <a:t> </a:t>
+            </a:r>
+            <a:r>
+              <a:rPr lang="en-US" sz="4400" b="1" i="0" u="none" strike="noStrike" baseline="0" dirty="0">
+                <a:solidFill>
+                  <a:srgbClr val="FF0A44"/>
+                </a:solidFill>
+                <a:latin typeface="GoudySans-Bold"/>
+              </a:rPr>
+              <a:t>Case Study 3: Nested Control Statements</a:t>
+            </a:r>
+            <a:endParaRPr lang="en-US" dirty="0"/>
+          </a:p>
+        </p:txBody>
+      </p:sp>
+      <p:sp>
+        <p:nvSpPr>
+          <p:cNvPr id="3" name="Content Placeholder 2">
+            <a:extLst>
+              <a:ext uri="{FF2B5EF4-FFF2-40B4-BE49-F238E27FC236}">
+                <a16:creationId xmlns:a16="http://schemas.microsoft.com/office/drawing/2014/main" id="{3A0C6CDF-3482-5F76-5D2E-95ED11BDEC4D}"/>
+              </a:ext>
+            </a:extLst>
+          </p:cNvPr>
+          <p:cNvSpPr>
+            <a:spLocks noGrp="1"/>
+          </p:cNvSpPr>
+          <p:nvPr>
+            <p:ph idx="1"/>
+          </p:nvPr>
+        </p:nvSpPr>
+        <p:spPr>
+          <a:xfrm>
+            <a:off x="838200" y="1142383"/>
+            <a:ext cx="10515600" cy="5038275"/>
+          </a:xfrm>
+          <a:ln>
+            <a:noFill/>
+          </a:ln>
+        </p:spPr>
+        <p:txBody>
+          <a:bodyPr>
+            <a:noAutofit/>
+          </a:bodyPr>
+          <a:lstStyle/>
+          <a:p>
+            <a:pPr marL="0" indent="0">
+              <a:buNone/>
+            </a:pPr>
+            <a:r>
+              <a:rPr lang="en-US" sz="2000" b="1" dirty="0">
+                <a:solidFill>
+                  <a:srgbClr val="2FA9FF"/>
+                </a:solidFill>
+                <a:latin typeface="Georgia" panose="02040502050405020303" pitchFamily="18" charset="0"/>
+              </a:rPr>
+              <a:t> </a:t>
+            </a:r>
+          </a:p>
+          <a:p>
+            <a:pPr marL="0" indent="0" algn="l">
+              <a:buNone/>
+            </a:pPr>
+            <a:endParaRPr lang="en-US" sz="2000" b="0" u="none" strike="noStrike" baseline="0" dirty="0">
+              <a:latin typeface="AGaramond-Italic"/>
+            </a:endParaRPr>
+          </a:p>
+        </p:txBody>
+      </p:sp>
+      <p:pic>
+        <p:nvPicPr>
+          <p:cNvPr id="8" name="Picture 7">
+            <a:extLst>
+              <a:ext uri="{FF2B5EF4-FFF2-40B4-BE49-F238E27FC236}">
+                <a16:creationId xmlns:a16="http://schemas.microsoft.com/office/drawing/2014/main" id="{1CD89839-9821-4D4C-855F-29FF28FB924B}"/>
+              </a:ext>
+            </a:extLst>
+          </p:cNvPr>
+          <p:cNvPicPr>
+            <a:picLocks noChangeAspect="1"/>
+          </p:cNvPicPr>
+          <p:nvPr/>
+        </p:nvPicPr>
+        <p:blipFill>
+          <a:blip r:embed="rId2"/>
+          <a:srcRect t="686" r="2810" b="24282"/>
+          <a:stretch/>
+        </p:blipFill>
+        <p:spPr>
+          <a:xfrm>
+            <a:off x="170265" y="1188720"/>
+            <a:ext cx="7132320" cy="5486400"/>
           </a:xfrm>
           <a:prstGeom prst="rect">
             <a:avLst/>
@@ -21366,8 +21978,37 @@
         </p:blipFill>
         <p:spPr>
           <a:xfrm>
-            <a:off x="6945382" y="2415073"/>
+            <a:off x="6685500" y="3429000"/>
             <a:ext cx="3719191" cy="2492894"/>
+          </a:xfrm>
+          <a:prstGeom prst="rect">
+            <a:avLst/>
+          </a:prstGeom>
+        </p:spPr>
+      </p:pic>
+      <p:pic>
+        <p:nvPicPr>
+          <p:cNvPr id="4" name="Picture 3">
+            <a:extLst>
+              <a:ext uri="{FF2B5EF4-FFF2-40B4-BE49-F238E27FC236}">
+                <a16:creationId xmlns:a16="http://schemas.microsoft.com/office/drawing/2014/main" id="{933A319D-CE0E-92A6-0195-9C710605FEF9}"/>
+              </a:ext>
+            </a:extLst>
+          </p:cNvPr>
+          <p:cNvPicPr>
+            <a:picLocks noChangeAspect="1"/>
+          </p:cNvPicPr>
+          <p:nvPr/>
+        </p:nvPicPr>
+        <p:blipFill>
+          <a:blip r:embed="rId2"/>
+          <a:srcRect t="75114" r="2810" b="-128"/>
+          <a:stretch/>
+        </p:blipFill>
+        <p:spPr>
+          <a:xfrm>
+            <a:off x="4889415" y="1138688"/>
+            <a:ext cx="7132320" cy="1828800"/>
           </a:xfrm>
           <a:prstGeom prst="rect">
             <a:avLst/>
@@ -21377,241 +22018,29 @@
     </p:spTree>
     <p:extLst>
       <p:ext uri="{BB962C8B-B14F-4D97-AF65-F5344CB8AC3E}">
-        <p14:creationId xmlns:p14="http://schemas.microsoft.com/office/powerpoint/2010/main" val="3556507708"/>
+        <p14:creationId xmlns:p14="http://schemas.microsoft.com/office/powerpoint/2010/main" val="856622105"/>
       </p:ext>
     </p:extLst>
   </p:cSld>
   <p:clrMapOvr>
     <a:masterClrMapping/>
   </p:clrMapOvr>
-  <mc:AlternateContent xmlns:mc="http://schemas.openxmlformats.org/markup-compatibility/2006" xmlns:p159="http://schemas.microsoft.com/office/powerpoint/2015/09/main">
-    <mc:Choice Requires="p159">
+  <mc:AlternateContent xmlns:mc="http://schemas.openxmlformats.org/markup-compatibility/2006">
+    <mc:Choice xmlns:p159="http://schemas.microsoft.com/office/powerpoint/2015/09/main" Requires="p159">
       <p:transition xmlns:p14="http://schemas.microsoft.com/office/powerpoint/2010/main" spd="slow" p14:dur="2000">
         <p159:morph option="byObject"/>
       </p:transition>
     </mc:Choice>
-    <mc:Fallback xmlns="">
+    <mc:Fallback>
       <p:transition spd="slow">
         <p:fade/>
       </p:transition>
     </mc:Fallback>
   </mc:AlternateContent>
-  <p:timing>
-    <p:tnLst>
-      <p:par>
-        <p:cTn id="1" dur="indefinite" restart="never" nodeType="tmRoot">
-          <p:childTnLst>
-            <p:seq concurrent="1" nextAc="seek">
-              <p:cTn id="2" dur="indefinite" nodeType="mainSeq">
-                <p:childTnLst>
-                  <p:par>
-                    <p:cTn id="3" fill="hold">
-                      <p:stCondLst>
-                        <p:cond delay="indefinite"/>
-                      </p:stCondLst>
-                      <p:childTnLst>
-                        <p:par>
-                          <p:cTn id="4" fill="hold">
-                            <p:stCondLst>
-                              <p:cond delay="0"/>
-                            </p:stCondLst>
-                            <p:childTnLst>
-                              <p:par>
-                                <p:cTn id="5" presetID="2" presetClass="entr" presetSubtype="4" fill="hold" nodeType="clickEffect">
-                                  <p:stCondLst>
-                                    <p:cond delay="0"/>
-                                  </p:stCondLst>
-                                  <p:childTnLst>
-                                    <p:set>
-                                      <p:cBhvr>
-                                        <p:cTn id="6" dur="1" fill="hold">
-                                          <p:stCondLst>
-                                            <p:cond delay="0"/>
-                                          </p:stCondLst>
-                                        </p:cTn>
-                                        <p:tgtEl>
-                                          <p:spTgt spid="8"/>
-                                        </p:tgtEl>
-                                        <p:attrNameLst>
-                                          <p:attrName>style.visibility</p:attrName>
-                                        </p:attrNameLst>
-                                      </p:cBhvr>
-                                      <p:to>
-                                        <p:strVal val="visible"/>
-                                      </p:to>
-                                    </p:set>
-                                    <p:anim calcmode="lin" valueType="num">
-                                      <p:cBhvr additive="base">
-                                        <p:cTn id="7" dur="500" fill="hold"/>
-                                        <p:tgtEl>
-                                          <p:spTgt spid="8"/>
-                                        </p:tgtEl>
-                                        <p:attrNameLst>
-                                          <p:attrName>ppt_x</p:attrName>
-                                        </p:attrNameLst>
-                                      </p:cBhvr>
-                                      <p:tavLst>
-                                        <p:tav tm="0">
-                                          <p:val>
-                                            <p:strVal val="#ppt_x"/>
-                                          </p:val>
-                                        </p:tav>
-                                        <p:tav tm="100000">
-                                          <p:val>
-                                            <p:strVal val="#ppt_x"/>
-                                          </p:val>
-                                        </p:tav>
-                                      </p:tavLst>
-                                    </p:anim>
-                                    <p:anim calcmode="lin" valueType="num">
-                                      <p:cBhvr additive="base">
-                                        <p:cTn id="8" dur="500" fill="hold"/>
-                                        <p:tgtEl>
-                                          <p:spTgt spid="8"/>
-                                        </p:tgtEl>
-                                        <p:attrNameLst>
-                                          <p:attrName>ppt_y</p:attrName>
-                                        </p:attrNameLst>
-                                      </p:cBhvr>
-                                      <p:tavLst>
-                                        <p:tav tm="0">
-                                          <p:val>
-                                            <p:strVal val="1+#ppt_h/2"/>
-                                          </p:val>
-                                        </p:tav>
-                                        <p:tav tm="100000">
-                                          <p:val>
-                                            <p:strVal val="#ppt_y"/>
-                                          </p:val>
-                                        </p:tav>
-                                      </p:tavLst>
-                                    </p:anim>
-                                  </p:childTnLst>
-                                </p:cTn>
-                              </p:par>
-                            </p:childTnLst>
-                          </p:cTn>
-                        </p:par>
-                      </p:childTnLst>
-                    </p:cTn>
-                  </p:par>
-                  <p:par>
-                    <p:cTn id="9" fill="hold">
-                      <p:stCondLst>
-                        <p:cond delay="indefinite"/>
-                      </p:stCondLst>
-                      <p:childTnLst>
-                        <p:par>
-                          <p:cTn id="10" fill="hold">
-                            <p:stCondLst>
-                              <p:cond delay="0"/>
-                            </p:stCondLst>
-                            <p:childTnLst>
-                              <p:par>
-                                <p:cTn id="11" presetID="2" presetClass="entr" presetSubtype="2" fill="hold" nodeType="clickEffect">
-                                  <p:stCondLst>
-                                    <p:cond delay="0"/>
-                                  </p:stCondLst>
-                                  <p:childTnLst>
-                                    <p:set>
-                                      <p:cBhvr>
-                                        <p:cTn id="12" dur="1" fill="hold">
-                                          <p:stCondLst>
-                                            <p:cond delay="0"/>
-                                          </p:stCondLst>
-                                        </p:cTn>
-                                        <p:tgtEl>
-                                          <p:spTgt spid="11"/>
-                                        </p:tgtEl>
-                                        <p:attrNameLst>
-                                          <p:attrName>style.visibility</p:attrName>
-                                        </p:attrNameLst>
-                                      </p:cBhvr>
-                                      <p:to>
-                                        <p:strVal val="visible"/>
-                                      </p:to>
-                                    </p:set>
-                                    <p:anim calcmode="lin" valueType="num">
-                                      <p:cBhvr additive="base">
-                                        <p:cTn id="13" dur="500" fill="hold"/>
-                                        <p:tgtEl>
-                                          <p:spTgt spid="11"/>
-                                        </p:tgtEl>
-                                        <p:attrNameLst>
-                                          <p:attrName>ppt_x</p:attrName>
-                                        </p:attrNameLst>
-                                      </p:cBhvr>
-                                      <p:tavLst>
-                                        <p:tav tm="0">
-                                          <p:val>
-                                            <p:strVal val="1+#ppt_w/2"/>
-                                          </p:val>
-                                        </p:tav>
-                                        <p:tav tm="100000">
-                                          <p:val>
-                                            <p:strVal val="#ppt_x"/>
-                                          </p:val>
-                                        </p:tav>
-                                      </p:tavLst>
-                                    </p:anim>
-                                    <p:anim calcmode="lin" valueType="num">
-                                      <p:cBhvr additive="base">
-                                        <p:cTn id="14" dur="500" fill="hold"/>
-                                        <p:tgtEl>
-                                          <p:spTgt spid="11"/>
-                                        </p:tgtEl>
-                                        <p:attrNameLst>
-                                          <p:attrName>ppt_y</p:attrName>
-                                        </p:attrNameLst>
-                                      </p:cBhvr>
-                                      <p:tavLst>
-                                        <p:tav tm="0">
-                                          <p:val>
-                                            <p:strVal val="#ppt_y"/>
-                                          </p:val>
-                                        </p:tav>
-                                        <p:tav tm="100000">
-                                          <p:val>
-                                            <p:strVal val="#ppt_y"/>
-                                          </p:val>
-                                        </p:tav>
-                                      </p:tavLst>
-                                    </p:anim>
-                                  </p:childTnLst>
-                                </p:cTn>
-                              </p:par>
-                            </p:childTnLst>
-                          </p:cTn>
-                        </p:par>
-                      </p:childTnLst>
-                    </p:cTn>
-                  </p:par>
-                </p:childTnLst>
-              </p:cTn>
-              <p:prevCondLst>
-                <p:cond evt="onPrev" delay="0">
-                  <p:tgtEl>
-                    <p:sldTgt/>
-                  </p:tgtEl>
-                </p:cond>
-              </p:prevCondLst>
-              <p:nextCondLst>
-                <p:cond evt="onNext" delay="0">
-                  <p:tgtEl>
-                    <p:sldTgt/>
-                  </p:tgtEl>
-                </p:cond>
-              </p:nextCondLst>
-            </p:seq>
-          </p:childTnLst>
-        </p:cTn>
-      </p:par>
-    </p:tnLst>
-  </p:timing>
 </p:sld>
 </file>
 
-<file path=ppt/slides/slide31.xml><?xml version="1.0" encoding="utf-8"?>
+<file path=ppt/slides/slide34.xml><?xml version="1.0" encoding="utf-8"?>
 <p:sld xmlns:a="http://schemas.openxmlformats.org/drawingml/2006/main" xmlns:r="http://schemas.openxmlformats.org/officeDocument/2006/relationships" xmlns:p="http://schemas.openxmlformats.org/presentationml/2006/main">
   <p:cSld>
     <p:spTree>
@@ -22501,7 +22930,7 @@
 </p:sld>
 </file>
 
-<file path=ppt/slides/slide32.xml><?xml version="1.0" encoding="utf-8"?>
+<file path=ppt/slides/slide35.xml><?xml version="1.0" encoding="utf-8"?>
 <p:sld xmlns:a="http://schemas.openxmlformats.org/drawingml/2006/main" xmlns:r="http://schemas.openxmlformats.org/officeDocument/2006/relationships" xmlns:p="http://schemas.openxmlformats.org/presentationml/2006/main">
   <p:cSld>
     <p:spTree>
@@ -22962,7 +23391,7 @@
 </p:sld>
 </file>
 
-<file path=ppt/slides/slide33.xml><?xml version="1.0" encoding="utf-8"?>
+<file path=ppt/slides/slide36.xml><?xml version="1.0" encoding="utf-8"?>
 <p:sld xmlns:a="http://schemas.openxmlformats.org/drawingml/2006/main" xmlns:r="http://schemas.openxmlformats.org/officeDocument/2006/relationships" xmlns:p="http://schemas.openxmlformats.org/presentationml/2006/main">
   <p:cSld>
     <p:spTree>
